--- a/Intro_to_Coding.pptx
+++ b/Intro_to_Coding.pptx
@@ -504,6 +504,97 @@
 </p:notesMaster>
 </file>
 
+<file path=ppt/notesSlides/notesSlide1.xml><?xml version="1.0" encoding="utf-8"?>
+<p:notes xmlns:a="http://schemas.openxmlformats.org/drawingml/2006/main" xmlns:r="http://schemas.openxmlformats.org/officeDocument/2006/relationships" xmlns:p="http://schemas.openxmlformats.org/presentationml/2006/main" xmlns:m="http://schemas.openxmlformats.org/officeDocument/2006/math" xmlns:a14="http://schemas.microsoft.com/office/drawing/2010/main" showMasterSp="1" showMasterPhAnim="1">
+  <p:cSld>
+    <p:spTree>
+      <p:nvGrpSpPr>
+        <p:cNvPr id="1" name=""/>
+        <p:cNvGrpSpPr/>
+        <p:nvPr/>
+      </p:nvGrpSpPr>
+      <p:grpSpPr>
+        <a:xfrm>
+          <a:off x="0" y="0"/>
+          <a:ext cx="0" cy="0"/>
+          <a:chOff x="0" y="0"/>
+          <a:chExt cx="0" cy="0"/>
+        </a:xfrm>
+      </p:grpSpPr>
+      <p:sp>
+        <p:nvSpPr>
+          <p:cNvPr id="163" name="Shape 163"/>
+          <p:cNvSpPr/>
+          <p:nvPr>
+            <p:ph type="sldImg"/>
+          </p:nvPr>
+        </p:nvSpPr>
+        <p:spPr>
+          <a:prstGeom prst="rect">
+            <a:avLst/>
+          </a:prstGeom>
+        </p:spPr>
+        <p:txBody>
+          <a:bodyPr/>
+          <a:lstStyle/>
+          <a:p>
+            <a:pPr/>
+          </a:p>
+        </p:txBody>
+      </p:sp>
+      <p:sp>
+        <p:nvSpPr>
+          <p:cNvPr id="164" name="Shape 164"/>
+          <p:cNvSpPr/>
+          <p:nvPr>
+            <p:ph type="body" sz="quarter" idx="1"/>
+          </p:nvPr>
+        </p:nvSpPr>
+        <p:spPr>
+          <a:prstGeom prst="rect">
+            <a:avLst/>
+          </a:prstGeom>
+        </p:spPr>
+        <p:txBody>
+          <a:bodyPr/>
+          <a:lstStyle/>
+          <a:p>
+            <a:pPr marL="407458" indent="-407458">
+              <a:buSzPct val="100000"/>
+              <a:buAutoNum type="arabicPeriod" startAt="1"/>
+            </a:pPr>
+            <a:r>
+              <a:t>The great confusion</a:t>
+            </a:r>
+          </a:p>
+          <a:p>
+            <a:pPr marL="407458" indent="-407458">
+              <a:buSzPct val="100000"/>
+              <a:buAutoNum type="arabicPeriod" startAt="1"/>
+            </a:pPr>
+            <a:r>
+              <a:t>The great doubt/distraction</a:t>
+            </a:r>
+          </a:p>
+          <a:p>
+            <a:pPr marL="407458" indent="-407458">
+              <a:buSzPct val="100000"/>
+              <a:buAutoNum type="arabicPeriod" startAt="1"/>
+            </a:pPr>
+            <a:r>
+              <a:t>The great distance</a:t>
+            </a:r>
+          </a:p>
+        </p:txBody>
+      </p:sp>
+    </p:spTree>
+  </p:cSld>
+  <p:clrMapOvr>
+    <a:masterClrMapping/>
+  </p:clrMapOvr>
+</p:notes>
+</file>
+
 <file path=ppt/slideLayouts/slideLayout1.xml><?xml version="1.0" encoding="utf-8"?>
 <p:sldLayout xmlns:a="http://schemas.openxmlformats.org/drawingml/2006/main" xmlns:r="http://schemas.openxmlformats.org/officeDocument/2006/relationships" xmlns:p="http://schemas.openxmlformats.org/presentationml/2006/main" xmlns:m="http://schemas.openxmlformats.org/officeDocument/2006/math" xmlns:a14="http://schemas.microsoft.com/office/drawing/2010/main" type="title" showMasterSp="1" showMasterPhAnim="1">
   <p:cSld name="Title">
@@ -1964,8 +2055,8 @@
         </p:nvSpPr>
         <p:spPr>
           <a:xfrm>
-            <a:off x="-198004" y="2822574"/>
-            <a:ext cx="25096145" cy="1"/>
+            <a:off x="-198004" y="2822575"/>
+            <a:ext cx="25096145" cy="0"/>
           </a:xfrm>
           <a:prstGeom prst="line">
             <a:avLst/>
@@ -3740,7 +3831,7 @@
       </p:grpSpPr>
       <p:sp>
         <p:nvSpPr>
-          <p:cNvPr id="171" name="Resources…"/>
+          <p:cNvPr id="173" name="Resources…"/>
           <p:cNvSpPr txBox="1"/>
           <p:nvPr>
             <p:ph type="title"/>
@@ -3764,7 +3855,7 @@
       </p:sp>
       <p:pic>
         <p:nvPicPr>
-          <p:cNvPr id="172" name="4.jpg" descr="4.jpg"/>
+          <p:cNvPr id="174" name="4.jpg" descr="4.jpg"/>
           <p:cNvPicPr>
             <a:picLocks noChangeAspect="1"/>
           </p:cNvPicPr>
@@ -3804,7 +3895,7 @@
       </p:pic>
       <p:pic>
         <p:nvPicPr>
-          <p:cNvPr id="173" name="5.jpeg" descr="5.jpeg"/>
+          <p:cNvPr id="175" name="5.jpeg" descr="5.jpeg"/>
           <p:cNvPicPr>
             <a:picLocks noChangeAspect="1"/>
           </p:cNvPicPr>
@@ -3822,7 +3913,7 @@
         <p:spPr>
           <a:xfrm>
             <a:off x="15657861" y="4150320"/>
-            <a:ext cx="7423561" cy="5415343"/>
+            <a:ext cx="7423560" cy="5415343"/>
           </a:xfrm>
           <a:prstGeom prst="rect">
             <a:avLst/>
@@ -3870,7 +3961,7 @@
       </p:grpSpPr>
       <p:sp>
         <p:nvSpPr>
-          <p:cNvPr id="175" name="On the Modern Web"/>
+          <p:cNvPr id="177" name="On the Modern Web"/>
           <p:cNvSpPr txBox="1"/>
           <p:nvPr>
             <p:ph type="title"/>
@@ -3920,7 +4011,7 @@
       </p:grpSpPr>
       <p:sp>
         <p:nvSpPr>
-          <p:cNvPr id="177" name="Full-Stack Development?"/>
+          <p:cNvPr id="179" name="Full-Stack Development?"/>
           <p:cNvSpPr txBox="1"/>
           <p:nvPr>
             <p:ph type="title"/>
@@ -3944,14 +4035,14 @@
       </p:sp>
       <p:sp>
         <p:nvSpPr>
-          <p:cNvPr id="178" name="In modern web applications, there’s a constant back-and-forth communication between two key components: the visuals displayed on the user’s browser (frontend) and the data and logic stored on the server (backend).…"/>
+          <p:cNvPr id="180" name="In modern web applications, there’s a constant back-and-forth communication between two key components: the visuals displayed on the user’s browser (frontend) and the data and logic stored on the server (backend).…"/>
           <p:cNvSpPr txBox="1"/>
           <p:nvPr/>
         </p:nvSpPr>
         <p:spPr>
           <a:xfrm>
             <a:off x="1206500" y="3607265"/>
-            <a:ext cx="21971001" cy="6501471"/>
+            <a:ext cx="21971000" cy="6501471"/>
           </a:xfrm>
           <a:prstGeom prst="rect">
             <a:avLst/>
@@ -3994,7 +4085,11 @@
               <a:t>web applications, </a:t>
             </a:r>
             <a:r>
-              <a:t>there’s a constant back-and-forth communication between two key components: the visuals displayed on the user’s browser (</a:t>
+              <a:t>there’s a constant back-and-forth communication between two key components: the visuals displayed on the user’s browser </a:t>
+            </a:r>
+            <a:r>
+              <a:rPr b="1"/>
+              <a:t>(</a:t>
             </a:r>
             <a:r>
               <a:rPr b="1">
@@ -4006,7 +4101,11 @@
               <a:t>frontend) </a:t>
             </a:r>
             <a:r>
-              <a:t>and the data and logic stored on the server (</a:t>
+              <a:t>and the data and logic stored on the server </a:t>
+            </a:r>
+            <a:r>
+              <a:rPr b="1"/>
+              <a:t>(</a:t>
             </a:r>
             <a:r>
               <a:rPr b="1">
@@ -4123,7 +4222,7 @@
       </p:grpSpPr>
       <p:sp>
         <p:nvSpPr>
-          <p:cNvPr id="180" name="Full-Stack Development?"/>
+          <p:cNvPr id="182" name="Full-Stack Development?"/>
           <p:cNvSpPr txBox="1"/>
           <p:nvPr>
             <p:ph type="title"/>
@@ -4147,7 +4246,7 @@
       </p:sp>
       <p:pic>
         <p:nvPicPr>
-          <p:cNvPr id="181" name="image19.jpeg" descr="image19.jpeg"/>
+          <p:cNvPr id="183" name="image19.jpeg" descr="image19.jpeg"/>
           <p:cNvPicPr>
             <a:picLocks noChangeAspect="1"/>
           </p:cNvPicPr>
@@ -4187,7 +4286,7 @@
       </p:pic>
       <p:pic>
         <p:nvPicPr>
-          <p:cNvPr id="182" name="image21.png" descr="image21.png"/>
+          <p:cNvPr id="184" name="image21.png" descr="image21.png"/>
           <p:cNvPicPr>
             <a:picLocks noChangeAspect="1"/>
           </p:cNvPicPr>
@@ -4253,7 +4352,7 @@
       </p:grpSpPr>
       <p:sp>
         <p:nvSpPr>
-          <p:cNvPr id="184" name="Full-Stack Development"/>
+          <p:cNvPr id="186" name="Full-Stack Development"/>
           <p:cNvSpPr txBox="1"/>
           <p:nvPr>
             <p:ph type="title"/>
@@ -4277,7 +4376,7 @@
       </p:sp>
       <p:sp>
         <p:nvSpPr>
-          <p:cNvPr id="185" name="The Browser…"/>
+          <p:cNvPr id="187" name="The Browser…"/>
           <p:cNvSpPr txBox="1"/>
           <p:nvPr>
             <p:ph type="body" sz="quarter" idx="1"/>
@@ -4395,14 +4494,14 @@
       </p:sp>
       <p:sp>
         <p:nvSpPr>
-          <p:cNvPr id="186" name="DevTools…"/>
+          <p:cNvPr id="188" name="DevTools…"/>
           <p:cNvSpPr txBox="1"/>
           <p:nvPr/>
         </p:nvSpPr>
         <p:spPr>
           <a:xfrm>
             <a:off x="19228196" y="3293283"/>
-            <a:ext cx="3863299" cy="2983801"/>
+            <a:ext cx="3863300" cy="2983801"/>
           </a:xfrm>
           <a:prstGeom prst="rect">
             <a:avLst/>
@@ -4492,7 +4591,7 @@
       </p:sp>
       <p:sp>
         <p:nvSpPr>
-          <p:cNvPr id="187" name="Server Side…"/>
+          <p:cNvPr id="189" name="Server Side…"/>
           <p:cNvSpPr txBox="1"/>
           <p:nvPr/>
         </p:nvSpPr>
@@ -4657,7 +4756,7 @@
       </p:sp>
       <p:sp>
         <p:nvSpPr>
-          <p:cNvPr id="188" name="API Interaction…"/>
+          <p:cNvPr id="190" name="API Interaction…"/>
           <p:cNvSpPr txBox="1"/>
           <p:nvPr/>
         </p:nvSpPr>
@@ -4771,7 +4870,7 @@
       </p:sp>
       <p:sp>
         <p:nvSpPr>
-          <p:cNvPr id="189" name="Databases…"/>
+          <p:cNvPr id="191" name="Databases…"/>
           <p:cNvSpPr txBox="1"/>
           <p:nvPr/>
         </p:nvSpPr>
@@ -4868,14 +4967,14 @@
       </p:sp>
       <p:sp>
         <p:nvSpPr>
-          <p:cNvPr id="190" name="CS Fundamentals…"/>
+          <p:cNvPr id="192" name="CS Fundamentals…"/>
           <p:cNvSpPr txBox="1"/>
           <p:nvPr/>
         </p:nvSpPr>
         <p:spPr>
           <a:xfrm>
             <a:off x="19228196" y="7613783"/>
-            <a:ext cx="3863299" cy="2718142"/>
+            <a:ext cx="3863300" cy="2718142"/>
           </a:xfrm>
           <a:prstGeom prst="rect">
             <a:avLst/>
@@ -4948,7 +5047,7 @@
       </p:sp>
       <p:sp>
         <p:nvSpPr>
-          <p:cNvPr id="191" name="Containers…"/>
+          <p:cNvPr id="193" name="Containers…"/>
           <p:cNvSpPr txBox="1"/>
           <p:nvPr/>
         </p:nvSpPr>
@@ -5086,8 +5185,8 @@
         </p:nvSpPr>
         <p:spPr>
           <a:xfrm>
-            <a:off x="1206499" y="3132487"/>
-            <a:ext cx="21971001" cy="8256012"/>
+            <a:off x="1206500" y="3132487"/>
+            <a:ext cx="21971000" cy="8256012"/>
           </a:xfrm>
           <a:prstGeom prst="rect">
             <a:avLst/>
@@ -5338,8 +5437,8 @@
         </p:nvSpPr>
         <p:spPr>
           <a:xfrm>
-            <a:off x="1206499" y="3298701"/>
-            <a:ext cx="21971001" cy="1097851"/>
+            <a:off x="1206500" y="3298701"/>
+            <a:ext cx="21971000" cy="1097851"/>
           </a:xfrm>
           <a:prstGeom prst="rect">
             <a:avLst/>
@@ -5438,7 +5537,7 @@
         <p:spPr>
           <a:xfrm>
             <a:off x="1206500" y="6141418"/>
-            <a:ext cx="21971001" cy="1433164"/>
+            <a:ext cx="21971000" cy="1433164"/>
           </a:xfrm>
           <a:prstGeom prst="rect">
             <a:avLst/>
@@ -5582,7 +5681,7 @@
           </p:nvPr>
         </p:nvPicPr>
         <p:blipFill>
-          <a:blip r:embed="rId2">
+          <a:blip r:embed="rId3">
             <a:extLst/>
           </a:blip>
           <a:srcRect l="195" t="0" r="5300" b="0"/>
@@ -5592,8 +5691,8 @@
         </p:blipFill>
         <p:spPr>
           <a:xfrm>
-            <a:off x="15760699" y="1269999"/>
-            <a:ext cx="7423449" cy="5410201"/>
+            <a:off x="15760700" y="1270000"/>
+            <a:ext cx="7423449" cy="5410200"/>
           </a:xfrm>
           <a:prstGeom prst="rect">
             <a:avLst/>
@@ -5623,7 +5722,7 @@
           </p:nvPr>
         </p:nvPicPr>
         <p:blipFill>
-          <a:blip r:embed="rId3">
+          <a:blip r:embed="rId4">
             <a:extLst/>
           </a:blip>
           <a:srcRect l="4376" t="0" r="4376" b="0"/>
@@ -5633,7 +5732,7 @@
         </p:blipFill>
         <p:spPr>
           <a:xfrm>
-            <a:off x="15760700" y="7098672"/>
+            <a:off x="15760699" y="7098672"/>
             <a:ext cx="7423560" cy="5415343"/>
           </a:xfrm>
           <a:prstGeom prst="rect">
@@ -5664,7 +5763,7 @@
           </p:nvPr>
         </p:nvPicPr>
         <p:blipFill>
-          <a:blip r:embed="rId4">
+          <a:blip r:embed="rId5">
             <a:extLst/>
           </a:blip>
           <a:srcRect l="0" t="5201" r="0" b="5201"/>
@@ -5722,7 +5821,7 @@
       </p:grpSpPr>
       <p:sp>
         <p:nvSpPr>
-          <p:cNvPr id="164" name="Nothing good comes easy…"/>
+          <p:cNvPr id="166" name="Nothing good comes easy…"/>
           <p:cNvSpPr txBox="1"/>
           <p:nvPr>
             <p:ph type="title"/>
@@ -5746,7 +5845,7 @@
       </p:sp>
       <p:sp>
         <p:nvSpPr>
-          <p:cNvPr id="165" name="Learning to code requires 2 things:"/>
+          <p:cNvPr id="167" name="Learning to code requires 2 things:"/>
           <p:cNvSpPr txBox="1"/>
           <p:nvPr>
             <p:ph type="body" sz="quarter" idx="1"/>
@@ -5754,8 +5853,8 @@
         </p:nvSpPr>
         <p:spPr>
           <a:xfrm>
-            <a:off x="1206499" y="3501913"/>
-            <a:ext cx="21971001" cy="1433164"/>
+            <a:off x="1206500" y="3501913"/>
+            <a:ext cx="21971000" cy="1433164"/>
           </a:xfrm>
           <a:prstGeom prst="rect">
             <a:avLst/>
@@ -5780,14 +5879,14 @@
       </p:sp>
       <p:sp>
         <p:nvSpPr>
-          <p:cNvPr id="166" name="Persistence in the face of something that feels hard and confusing…"/>
+          <p:cNvPr id="168" name="Persistence in the face of something that feels hard and confusing…"/>
           <p:cNvSpPr txBox="1"/>
           <p:nvPr/>
         </p:nvSpPr>
         <p:spPr>
           <a:xfrm>
             <a:off x="1206500" y="5125775"/>
-            <a:ext cx="21971001" cy="6501471"/>
+            <a:ext cx="21971000" cy="6501470"/>
           </a:xfrm>
           <a:prstGeom prst="rect">
             <a:avLst/>
@@ -5880,7 +5979,7 @@
       </p:grpSpPr>
       <p:sp>
         <p:nvSpPr>
-          <p:cNvPr id="168" name="Learning is “Frustrating”"/>
+          <p:cNvPr id="170" name="Learning is “Frustrating”"/>
           <p:cNvSpPr txBox="1"/>
           <p:nvPr>
             <p:ph type="title"/>
@@ -5904,7 +6003,7 @@
       </p:sp>
       <p:sp>
         <p:nvSpPr>
-          <p:cNvPr id="169" name="Content Placeholder 2"/>
+          <p:cNvPr id="171" name="Content Placeholder 2"/>
           <p:cNvSpPr txBox="1"/>
           <p:nvPr/>
         </p:nvSpPr>
